--- a/StudentGuideModule1/newtons_laws/newtons_laws_fig2_new.pptx
+++ b/StudentGuideModule1/newtons_laws/newtons_laws_fig2_new.pptx
@@ -302,7 +302,7 @@
           <a:p>
             <a:fld id="{2B81A30E-FEA9-42C1-95AD-B75AE3EF8DCE}" type="datetimeFigureOut">
               <a:rPr lang="en-US" smtClean="0"/>
-              <a:t>7/24/2019</a:t>
+              <a:t>10/5/2019</a:t>
             </a:fld>
             <a:endParaRPr lang="en-US"/>
           </a:p>
@@ -470,7 +470,7 @@
           <a:p>
             <a:fld id="{2B81A30E-FEA9-42C1-95AD-B75AE3EF8DCE}" type="datetimeFigureOut">
               <a:rPr lang="en-US" smtClean="0"/>
-              <a:t>7/24/2019</a:t>
+              <a:t>10/5/2019</a:t>
             </a:fld>
             <a:endParaRPr lang="en-US"/>
           </a:p>
@@ -648,7 +648,7 @@
           <a:p>
             <a:fld id="{2B81A30E-FEA9-42C1-95AD-B75AE3EF8DCE}" type="datetimeFigureOut">
               <a:rPr lang="en-US" smtClean="0"/>
-              <a:t>7/24/2019</a:t>
+              <a:t>10/5/2019</a:t>
             </a:fld>
             <a:endParaRPr lang="en-US"/>
           </a:p>
@@ -816,7 +816,7 @@
           <a:p>
             <a:fld id="{2B81A30E-FEA9-42C1-95AD-B75AE3EF8DCE}" type="datetimeFigureOut">
               <a:rPr lang="en-US" smtClean="0"/>
-              <a:t>7/24/2019</a:t>
+              <a:t>10/5/2019</a:t>
             </a:fld>
             <a:endParaRPr lang="en-US"/>
           </a:p>
@@ -1061,7 +1061,7 @@
           <a:p>
             <a:fld id="{2B81A30E-FEA9-42C1-95AD-B75AE3EF8DCE}" type="datetimeFigureOut">
               <a:rPr lang="en-US" smtClean="0"/>
-              <a:t>7/24/2019</a:t>
+              <a:t>10/5/2019</a:t>
             </a:fld>
             <a:endParaRPr lang="en-US"/>
           </a:p>
@@ -1346,7 +1346,7 @@
           <a:p>
             <a:fld id="{2B81A30E-FEA9-42C1-95AD-B75AE3EF8DCE}" type="datetimeFigureOut">
               <a:rPr lang="en-US" smtClean="0"/>
-              <a:t>7/24/2019</a:t>
+              <a:t>10/5/2019</a:t>
             </a:fld>
             <a:endParaRPr lang="en-US"/>
           </a:p>
@@ -1765,7 +1765,7 @@
           <a:p>
             <a:fld id="{2B81A30E-FEA9-42C1-95AD-B75AE3EF8DCE}" type="datetimeFigureOut">
               <a:rPr lang="en-US" smtClean="0"/>
-              <a:t>7/24/2019</a:t>
+              <a:t>10/5/2019</a:t>
             </a:fld>
             <a:endParaRPr lang="en-US"/>
           </a:p>
@@ -1882,7 +1882,7 @@
           <a:p>
             <a:fld id="{2B81A30E-FEA9-42C1-95AD-B75AE3EF8DCE}" type="datetimeFigureOut">
               <a:rPr lang="en-US" smtClean="0"/>
-              <a:t>7/24/2019</a:t>
+              <a:t>10/5/2019</a:t>
             </a:fld>
             <a:endParaRPr lang="en-US"/>
           </a:p>
@@ -1977,7 +1977,7 @@
           <a:p>
             <a:fld id="{2B81A30E-FEA9-42C1-95AD-B75AE3EF8DCE}" type="datetimeFigureOut">
               <a:rPr lang="en-US" smtClean="0"/>
-              <a:t>7/24/2019</a:t>
+              <a:t>10/5/2019</a:t>
             </a:fld>
             <a:endParaRPr lang="en-US"/>
           </a:p>
@@ -2252,7 +2252,7 @@
           <a:p>
             <a:fld id="{2B81A30E-FEA9-42C1-95AD-B75AE3EF8DCE}" type="datetimeFigureOut">
               <a:rPr lang="en-US" smtClean="0"/>
-              <a:t>7/24/2019</a:t>
+              <a:t>10/5/2019</a:t>
             </a:fld>
             <a:endParaRPr lang="en-US"/>
           </a:p>
@@ -2504,7 +2504,7 @@
           <a:p>
             <a:fld id="{2B81A30E-FEA9-42C1-95AD-B75AE3EF8DCE}" type="datetimeFigureOut">
               <a:rPr lang="en-US" smtClean="0"/>
-              <a:t>7/24/2019</a:t>
+              <a:t>10/5/2019</a:t>
             </a:fld>
             <a:endParaRPr lang="en-US"/>
           </a:p>
@@ -2715,7 +2715,7 @@
           <a:p>
             <a:fld id="{2B81A30E-FEA9-42C1-95AD-B75AE3EF8DCE}" type="datetimeFigureOut">
               <a:rPr lang="en-US" smtClean="0"/>
-              <a:t>7/24/2019</a:t>
+              <a:t>10/5/2019</a:t>
             </a:fld>
             <a:endParaRPr lang="en-US"/>
           </a:p>
@@ -3090,716 +3090,560 @@
           <a:chExt cx="0" cy="0"/>
         </a:xfrm>
       </p:grpSpPr>
-      <p:grpSp>
-        <p:nvGrpSpPr>
-          <p:cNvPr id="10" name="Group 9">
+      <p:pic>
+        <p:nvPicPr>
+          <p:cNvPr id="18" name="moving car" descr="C:\Users\mtrawick\Desktop\github\131\StudentGuideModule1\newtons_laws\momentum_transfer.tif">
             <a:extLst>
               <a:ext uri="{FF2B5EF4-FFF2-40B4-BE49-F238E27FC236}">
-                <a16:creationId xmlns:a16="http://schemas.microsoft.com/office/drawing/2014/main" id="{74036643-6CF6-4DE1-8DF4-3CD12E0FB32E}"/>
+                <a16:creationId xmlns:a16="http://schemas.microsoft.com/office/drawing/2014/main" id="{1A449FD4-9E40-43FD-B185-9E95052D3714}"/>
               </a:ext>
             </a:extLst>
           </p:cNvPr>
-          <p:cNvGrpSpPr/>
+          <p:cNvPicPr>
+            <a:picLocks noChangeAspect="1" noChangeArrowheads="1"/>
+          </p:cNvPicPr>
           <p:nvPr/>
-        </p:nvGrpSpPr>
-        <p:grpSpPr>
+        </p:nvPicPr>
+        <p:blipFill rotWithShape="1">
+          <a:blip r:embed="rId2" cstate="print">
+            <a:extLst>
+              <a:ext uri="{28A0092B-C50C-407E-A947-70E740481C1C}">
+                <a14:useLocalDpi xmlns:a14="http://schemas.microsoft.com/office/drawing/2010/main" val="0"/>
+              </a:ext>
+            </a:extLst>
+          </a:blip>
+          <a:srcRect l="60985" r="3"/>
+          <a:stretch/>
+        </p:blipFill>
+        <p:spPr bwMode="auto">
+          <a:xfrm flipH="1">
+            <a:off x="1953541" y="2471421"/>
+            <a:ext cx="1345053" cy="864299"/>
+          </a:xfrm>
+          <a:prstGeom prst="rect">
+            <a:avLst/>
+          </a:prstGeom>
+          <a:noFill/>
+          <a:extLst>
+            <a:ext uri="{909E8E84-426E-40DD-AFC4-6F175D3DCCD1}">
+              <a14:hiddenFill xmlns:a14="http://schemas.microsoft.com/office/drawing/2010/main">
+                <a:solidFill>
+                  <a:srgbClr val="FFFFFF"/>
+                </a:solidFill>
+              </a14:hiddenFill>
+            </a:ext>
+          </a:extLst>
+        </p:spPr>
+      </p:pic>
+      <p:pic>
+        <p:nvPicPr>
+          <p:cNvPr id="17" name="extra road" descr="C:\Users\mtrawick\Desktop\github\131\StudentGuideModule1\newtons_laws\momentum_transfer.tif">
+            <a:extLst>
+              <a:ext uri="{FF2B5EF4-FFF2-40B4-BE49-F238E27FC236}">
+                <a16:creationId xmlns:a16="http://schemas.microsoft.com/office/drawing/2014/main" id="{50AF0C10-7FFD-45DF-83AB-5FF571E59143}"/>
+              </a:ext>
+            </a:extLst>
+          </p:cNvPr>
+          <p:cNvPicPr>
+            <a:picLocks noChangeAspect="1" noChangeArrowheads="1"/>
+          </p:cNvPicPr>
+          <p:nvPr/>
+        </p:nvPicPr>
+        <p:blipFill rotWithShape="1">
+          <a:blip r:embed="rId3" cstate="print">
+            <a:extLst>
+              <a:ext uri="{28A0092B-C50C-407E-A947-70E740481C1C}">
+                <a14:useLocalDpi xmlns:a14="http://schemas.microsoft.com/office/drawing/2010/main" val="0"/>
+              </a:ext>
+            </a:extLst>
+          </a:blip>
+          <a:srcRect l="54253" t="88351" r="36097" b="-4382"/>
+          <a:stretch/>
+        </p:blipFill>
+        <p:spPr bwMode="auto">
+          <a:xfrm flipH="1">
+            <a:off x="3225208" y="3234568"/>
+            <a:ext cx="332695" cy="138552"/>
+          </a:xfrm>
+          <a:prstGeom prst="rect">
+            <a:avLst/>
+          </a:prstGeom>
+          <a:noFill/>
+          <a:extLst>
+            <a:ext uri="{909E8E84-426E-40DD-AFC4-6F175D3DCCD1}">
+              <a14:hiddenFill xmlns:a14="http://schemas.microsoft.com/office/drawing/2010/main">
+                <a:solidFill>
+                  <a:srgbClr val="FFFFFF"/>
+                </a:solidFill>
+              </a14:hiddenFill>
+            </a:ext>
+          </a:extLst>
+        </p:spPr>
+      </p:pic>
+      <p:pic>
+        <p:nvPicPr>
+          <p:cNvPr id="2" name="stationary car"/>
+          <p:cNvPicPr>
+            <a:picLocks noChangeAspect="1"/>
+          </p:cNvPicPr>
+          <p:nvPr/>
+        </p:nvPicPr>
+        <p:blipFill rotWithShape="1">
+          <a:blip r:embed="rId4" cstate="print">
+            <a:extLst>
+              <a:ext uri="{28A0092B-C50C-407E-A947-70E740481C1C}">
+                <a14:useLocalDpi xmlns:a14="http://schemas.microsoft.com/office/drawing/2010/main" val="0"/>
+              </a:ext>
+            </a:extLst>
+          </a:blip>
+          <a:srcRect l="59528" t="25316"/>
+          <a:stretch/>
+        </p:blipFill>
+        <p:spPr>
           <a:xfrm>
-            <a:off x="1905353" y="2471420"/>
-            <a:ext cx="4101708" cy="1202659"/>
-            <a:chOff x="1905353" y="2471420"/>
-            <a:chExt cx="4101708" cy="1202659"/>
+            <a:off x="3371638" y="2688257"/>
+            <a:ext cx="1395338" cy="645494"/>
           </a:xfrm>
-        </p:grpSpPr>
-        <p:grpSp>
-          <p:nvGrpSpPr>
-            <p:cNvPr id="7" name="Group 6">
-              <a:extLst>
-                <a:ext uri="{FF2B5EF4-FFF2-40B4-BE49-F238E27FC236}">
-                  <a16:creationId xmlns:a16="http://schemas.microsoft.com/office/drawing/2014/main" id="{E271BA99-19AA-4957-A9AC-BD6BB1CC57B6}"/>
-                </a:ext>
-              </a:extLst>
-            </p:cNvPr>
-            <p:cNvGrpSpPr>
-              <a:grpSpLocks noChangeAspect="1"/>
-            </p:cNvGrpSpPr>
-            <p:nvPr/>
-          </p:nvGrpSpPr>
-          <p:grpSpPr>
-            <a:xfrm>
-              <a:off x="3909327" y="2474248"/>
-              <a:ext cx="1478558" cy="1152144"/>
-              <a:chOff x="2478886" y="1750100"/>
-              <a:chExt cx="6184484" cy="4819166"/>
-            </a:xfrm>
-          </p:grpSpPr>
-          <p:pic>
-            <p:nvPicPr>
-              <p:cNvPr id="13" name="Picture 3" descr="C:\Users\mtrawick\Desktop\github\131\StudentGuideModule1\newtons_laws\momentum_transfer.tif">
-                <a:extLst>
-                  <a:ext uri="{FF2B5EF4-FFF2-40B4-BE49-F238E27FC236}">
-                    <a16:creationId xmlns:a16="http://schemas.microsoft.com/office/drawing/2014/main" id="{60ABC673-9FB8-40BA-949F-7D1C0601E41F}"/>
-                  </a:ext>
-                </a:extLst>
-              </p:cNvPr>
-              <p:cNvPicPr>
-                <a:picLocks noChangeAspect="1" noChangeArrowheads="1"/>
-              </p:cNvPicPr>
+          <a:prstGeom prst="rect">
+            <a:avLst/>
+          </a:prstGeom>
+        </p:spPr>
+      </p:pic>
+      <mc:AlternateContent xmlns:mc="http://schemas.openxmlformats.org/markup-compatibility/2006">
+        <mc:Choice xmlns:a14="http://schemas.microsoft.com/office/drawing/2010/main" Requires="a14">
+          <p:sp>
+            <p:nvSpPr>
+              <p:cNvPr id="5" name="TextBox 4"/>
+              <p:cNvSpPr txBox="1"/>
               <p:nvPr/>
-            </p:nvPicPr>
-            <p:blipFill rotWithShape="1">
-              <a:blip r:embed="rId2" cstate="print">
-                <a:extLst>
-                  <a:ext uri="{28A0092B-C50C-407E-A947-70E740481C1C}">
-                    <a14:useLocalDpi xmlns:a14="http://schemas.microsoft.com/office/drawing/2010/main" val="0"/>
-                  </a:ext>
-                </a:extLst>
-              </a:blip>
-              <a:srcRect l="63101" r="5852"/>
-              <a:stretch/>
-            </p:blipFill>
-            <p:spPr bwMode="auto">
-              <a:xfrm flipH="1">
-                <a:off x="2695073" y="1750100"/>
-                <a:ext cx="5968297" cy="4819166"/>
+            </p:nvSpPr>
+            <p:spPr>
+              <a:xfrm>
+                <a:off x="2460702" y="2855107"/>
+                <a:ext cx="455893" cy="261610"/>
               </a:xfrm>
               <a:prstGeom prst="rect">
                 <a:avLst/>
               </a:prstGeom>
               <a:noFill/>
-              <a:extLst>
-                <a:ext uri="{909E8E84-426E-40DD-AFC4-6F175D3DCCD1}">
-                  <a14:hiddenFill xmlns:a14="http://schemas.microsoft.com/office/drawing/2010/main">
-                    <a:solidFill>
-                      <a:srgbClr val="FFFFFF"/>
-                    </a:solidFill>
-                  </a14:hiddenFill>
-                </a:ext>
-              </a:extLst>
+              <a:ln w="12700">
+                <a:noFill/>
+              </a:ln>
             </p:spPr>
-          </p:pic>
+            <p:txBody>
+              <a:bodyPr wrap="square" rtlCol="0">
+                <a:spAutoFit/>
+              </a:bodyPr>
+              <a:lstStyle/>
+              <a:p>
+                <a:pPr/>
+                <a14:m>
+                  <m:oMathPara xmlns:m="http://schemas.openxmlformats.org/officeDocument/2006/math">
+                    <m:oMathParaPr>
+                      <m:jc m:val="centerGroup"/>
+                    </m:oMathParaPr>
+                    <m:oMath xmlns:m="http://schemas.openxmlformats.org/officeDocument/2006/math">
+                      <m:sSub>
+                        <m:sSubPr>
+                          <m:ctrlPr>
+                            <a:rPr lang="en-US" sz="1100" i="1" smtClean="0">
+                              <a:latin typeface="Cambria Math" panose="02040503050406030204" pitchFamily="18" charset="0"/>
+                            </a:rPr>
+                          </m:ctrlPr>
+                        </m:sSubPr>
+                        <m:e>
+                          <m:r>
+                            <a:rPr lang="en-US" sz="1100" b="0" i="1" smtClean="0">
+                              <a:latin typeface="Cambria Math" panose="02040503050406030204" pitchFamily="18" charset="0"/>
+                            </a:rPr>
+                            <m:t>𝑚</m:t>
+                          </m:r>
+                        </m:e>
+                        <m:sub>
+                          <m:r>
+                            <a:rPr lang="en-US" sz="1100" b="0" i="1" smtClean="0">
+                              <a:latin typeface="Cambria Math" panose="02040503050406030204" pitchFamily="18" charset="0"/>
+                            </a:rPr>
+                            <m:t>1</m:t>
+                          </m:r>
+                        </m:sub>
+                      </m:sSub>
+                    </m:oMath>
+                  </m:oMathPara>
+                </a14:m>
+                <a:endParaRPr lang="en-US" sz="1100" dirty="0"/>
+              </a:p>
+            </p:txBody>
+          </p:sp>
+        </mc:Choice>
+        <mc:Fallback>
           <p:sp>
             <p:nvSpPr>
-              <p:cNvPr id="6" name="Rectangle 5">
-                <a:extLst>
-                  <a:ext uri="{FF2B5EF4-FFF2-40B4-BE49-F238E27FC236}">
-                    <a16:creationId xmlns:a16="http://schemas.microsoft.com/office/drawing/2014/main" id="{5AB13A03-FB2C-4A23-96EA-CFA810961654}"/>
-                  </a:ext>
-                </a:extLst>
-              </p:cNvPr>
-              <p:cNvSpPr/>
+              <p:cNvPr id="5" name="TextBox 4"/>
+              <p:cNvSpPr txBox="1">
+                <a:spLocks noRot="1" noChangeAspect="1" noMove="1" noResize="1" noEditPoints="1" noAdjustHandles="1" noChangeArrowheads="1" noChangeShapeType="1" noTextEdit="1"/>
+              </p:cNvSpPr>
               <p:nvPr/>
             </p:nvSpPr>
             <p:spPr>
               <a:xfrm>
-                <a:off x="2478886" y="5763126"/>
-                <a:ext cx="969032" cy="433137"/>
+                <a:off x="2460702" y="2855107"/>
+                <a:ext cx="455893" cy="261610"/>
               </a:xfrm>
               <a:prstGeom prst="rect">
                 <a:avLst/>
               </a:prstGeom>
-              <a:solidFill>
-                <a:schemeClr val="bg1"/>
-              </a:solidFill>
-              <a:ln>
+              <a:blipFill>
+                <a:blip r:embed="rId5"/>
+                <a:stretch>
+                  <a:fillRect/>
+                </a:stretch>
+              </a:blipFill>
+              <a:ln w="12700">
                 <a:noFill/>
               </a:ln>
             </p:spPr>
-            <p:style>
-              <a:lnRef idx="2">
-                <a:schemeClr val="accent1">
-                  <a:shade val="50000"/>
-                </a:schemeClr>
-              </a:lnRef>
-              <a:fillRef idx="1">
-                <a:schemeClr val="accent1"/>
-              </a:fillRef>
-              <a:effectRef idx="0">
-                <a:schemeClr val="accent1"/>
-              </a:effectRef>
-              <a:fontRef idx="minor">
-                <a:schemeClr val="lt1"/>
-              </a:fontRef>
-            </p:style>
             <p:txBody>
-              <a:bodyPr rtlCol="0" anchor="ctr"/>
+              <a:bodyPr/>
               <a:lstStyle/>
               <a:p>
-                <a:pPr algn="ctr"/>
-                <a:endParaRPr lang="en-US"/>
+                <a:r>
+                  <a:rPr lang="en-US">
+                    <a:noFill/>
+                  </a:rPr>
+                  <a:t> </a:t>
+                </a:r>
               </a:p>
             </p:txBody>
           </p:sp>
-        </p:grpSp>
-        <p:pic>
-          <p:nvPicPr>
-            <p:cNvPr id="18" name="Picture 3" descr="C:\Users\mtrawick\Desktop\github\131\StudentGuideModule1\newtons_laws\momentum_transfer.tif">
-              <a:extLst>
-                <a:ext uri="{FF2B5EF4-FFF2-40B4-BE49-F238E27FC236}">
-                  <a16:creationId xmlns:a16="http://schemas.microsoft.com/office/drawing/2014/main" id="{1A449FD4-9E40-43FD-B185-9E95052D3714}"/>
-                </a:ext>
-              </a:extLst>
-            </p:cNvPr>
-            <p:cNvPicPr>
-              <a:picLocks noChangeAspect="1" noChangeArrowheads="1"/>
-            </p:cNvPicPr>
-            <p:nvPr/>
-          </p:nvPicPr>
-          <p:blipFill rotWithShape="1">
-            <a:blip r:embed="rId2" cstate="print">
-              <a:extLst>
-                <a:ext uri="{28A0092B-C50C-407E-A947-70E740481C1C}">
-                  <a14:useLocalDpi xmlns:a14="http://schemas.microsoft.com/office/drawing/2010/main" val="0"/>
-                </a:ext>
-              </a:extLst>
-            </a:blip>
-            <a:srcRect l="60985" r="3"/>
-            <a:stretch/>
-          </p:blipFill>
-          <p:spPr bwMode="auto">
-            <a:xfrm flipH="1">
-              <a:off x="1969787" y="2471420"/>
-              <a:ext cx="1798540" cy="1155700"/>
-            </a:xfrm>
-            <a:prstGeom prst="rect">
-              <a:avLst/>
-            </a:prstGeom>
+        </mc:Fallback>
+      </mc:AlternateContent>
+      <p:cxnSp>
+        <p:nvCxnSpPr>
+          <p:cNvPr id="8" name="Straight Arrow Connector 7"/>
+          <p:cNvCxnSpPr>
+            <a:cxnSpLocks/>
+          </p:cNvCxnSpPr>
+          <p:nvPr/>
+        </p:nvCxnSpPr>
+        <p:spPr>
+          <a:xfrm>
+            <a:off x="2939437" y="2850000"/>
+            <a:ext cx="362880" cy="0"/>
+          </a:xfrm>
+          <a:prstGeom prst="straightConnector1">
+            <a:avLst/>
+          </a:prstGeom>
+          <a:ln w="19050">
+            <a:solidFill>
+              <a:schemeClr val="tx1"/>
+            </a:solidFill>
+            <a:headEnd type="none" w="med" len="med"/>
+            <a:tailEnd type="arrow" w="med" len="med"/>
+          </a:ln>
+        </p:spPr>
+        <p:style>
+          <a:lnRef idx="1">
+            <a:schemeClr val="accent1"/>
+          </a:lnRef>
+          <a:fillRef idx="0">
+            <a:schemeClr val="accent1"/>
+          </a:fillRef>
+          <a:effectRef idx="0">
+            <a:schemeClr val="accent1"/>
+          </a:effectRef>
+          <a:fontRef idx="minor">
+            <a:schemeClr val="tx1"/>
+          </a:fontRef>
+        </p:style>
+      </p:cxnSp>
+      <mc:AlternateContent xmlns:mc="http://schemas.openxmlformats.org/markup-compatibility/2006" xmlns:a14="http://schemas.microsoft.com/office/drawing/2010/main">
+        <mc:Choice Requires="a14">
+          <p:sp>
+            <p:nvSpPr>
+              <p:cNvPr id="11" name="TextBox 10"/>
+              <p:cNvSpPr txBox="1"/>
+              <p:nvPr/>
+            </p:nvSpPr>
+            <p:spPr>
+              <a:xfrm>
+                <a:off x="3085336" y="2582232"/>
+                <a:ext cx="310485" cy="207156"/>
+              </a:xfrm>
+              <a:prstGeom prst="rect">
+                <a:avLst/>
+              </a:prstGeom>
+              <a:noFill/>
+              <a:ln w="12700">
+                <a:noFill/>
+              </a:ln>
+            </p:spPr>
+            <p:txBody>
+              <a:bodyPr wrap="square" rtlCol="0">
+                <a:spAutoFit/>
+              </a:bodyPr>
+              <a:lstStyle/>
+              <a:p>
+                <a:pPr/>
+                <a14:m>
+                  <m:oMathPara xmlns:m="http://schemas.openxmlformats.org/officeDocument/2006/math">
+                    <m:oMathParaPr>
+                      <m:jc m:val="centerGroup"/>
+                    </m:oMathParaPr>
+                    <m:oMath xmlns:m="http://schemas.openxmlformats.org/officeDocument/2006/math">
+                      <m:acc>
+                        <m:accPr>
+                          <m:chr m:val="⃗"/>
+                          <m:ctrlPr>
+                            <a:rPr lang="en-US" sz="1200" b="0" i="1" smtClean="0">
+                              <a:latin typeface="Cambria Math" panose="02040503050406030204" pitchFamily="18" charset="0"/>
+                            </a:rPr>
+                          </m:ctrlPr>
+                        </m:accPr>
+                        <m:e>
+                          <m:r>
+                            <a:rPr lang="en-US" sz="1200" b="0" i="1" smtClean="0">
+                              <a:latin typeface="Cambria Math"/>
+                            </a:rPr>
+                            <m:t>𝑣</m:t>
+                          </m:r>
+                        </m:e>
+                      </m:acc>
+                    </m:oMath>
+                  </m:oMathPara>
+                </a14:m>
+                <a:endParaRPr lang="en-US" sz="1200" dirty="0"/>
+              </a:p>
+            </p:txBody>
+          </p:sp>
+        </mc:Choice>
+        <mc:Fallback xmlns="">
+          <p:sp>
+            <p:nvSpPr>
+              <p:cNvPr id="11" name="TextBox 10"/>
+              <p:cNvSpPr txBox="1">
+                <a:spLocks noRot="1" noChangeAspect="1" noMove="1" noResize="1" noEditPoints="1" noAdjustHandles="1" noChangeArrowheads="1" noChangeShapeType="1" noTextEdit="1"/>
+              </p:cNvSpPr>
+              <p:nvPr/>
+            </p:nvSpPr>
+            <p:spPr>
+              <a:xfrm>
+                <a:off x="3085336" y="2582232"/>
+                <a:ext cx="310485" cy="207156"/>
+              </a:xfrm>
+              <a:prstGeom prst="rect">
+                <a:avLst/>
+              </a:prstGeom>
+              <a:blipFill>
+                <a:blip r:embed="rId6"/>
+                <a:stretch>
+                  <a:fillRect t="-2941" r="-5882" b="-8824"/>
+                </a:stretch>
+              </a:blipFill>
+              <a:ln w="12700">
+                <a:noFill/>
+              </a:ln>
+            </p:spPr>
+            <p:txBody>
+              <a:bodyPr/>
+              <a:lstStyle/>
+              <a:p>
+                <a:r>
+                  <a:rPr lang="en-US">
+                    <a:noFill/>
+                  </a:rPr>
+                  <a:t> </a:t>
+                </a:r>
+              </a:p>
+            </p:txBody>
+          </p:sp>
+        </mc:Fallback>
+      </mc:AlternateContent>
+      <p:sp>
+        <p:nvSpPr>
+          <p:cNvPr id="14" name="TextBox 13"/>
+          <p:cNvSpPr txBox="1"/>
+          <p:nvPr/>
+        </p:nvSpPr>
+        <p:spPr>
+          <a:xfrm>
+            <a:off x="2385063" y="2514618"/>
+            <a:ext cx="772265" cy="195647"/>
+          </a:xfrm>
+          <a:prstGeom prst="rect">
+            <a:avLst/>
+          </a:prstGeom>
+          <a:noFill/>
+          <a:ln w="12700">
             <a:noFill/>
-            <a:extLst>
-              <a:ext uri="{909E8E84-426E-40DD-AFC4-6F175D3DCCD1}">
-                <a14:hiddenFill xmlns:a14="http://schemas.microsoft.com/office/drawing/2010/main">
-                  <a:solidFill>
-                    <a:srgbClr val="FFFFFF"/>
-                  </a:solidFill>
-                </a14:hiddenFill>
-              </a:ext>
-            </a:extLst>
-          </p:spPr>
-        </p:pic>
-        <p:pic>
-          <p:nvPicPr>
-            <p:cNvPr id="19" name="Picture 3" descr="C:\Users\mtrawick\Desktop\github\131\StudentGuideModule1\newtons_laws\momentum_transfer.tif">
-              <a:extLst>
-                <a:ext uri="{FF2B5EF4-FFF2-40B4-BE49-F238E27FC236}">
-                  <a16:creationId xmlns:a16="http://schemas.microsoft.com/office/drawing/2014/main" id="{03E4962E-7C34-4F8F-8200-FC613E458A6A}"/>
-                </a:ext>
-              </a:extLst>
-            </p:cNvPr>
-            <p:cNvPicPr>
-              <a:picLocks noChangeAspect="1" noChangeArrowheads="1"/>
-            </p:cNvPicPr>
-            <p:nvPr/>
-          </p:nvPicPr>
-          <p:blipFill rotWithShape="1">
-            <a:blip r:embed="rId2" cstate="print">
-              <a:extLst>
-                <a:ext uri="{28A0092B-C50C-407E-A947-70E740481C1C}">
-                  <a14:useLocalDpi xmlns:a14="http://schemas.microsoft.com/office/drawing/2010/main" val="0"/>
-                </a:ext>
-              </a:extLst>
-            </a:blip>
-            <a:srcRect l="54943" t="89513" r="37648"/>
-            <a:stretch/>
-          </p:blipFill>
-          <p:spPr bwMode="auto">
-            <a:xfrm flipH="1">
-              <a:off x="3255032" y="3505199"/>
-              <a:ext cx="341546" cy="121193"/>
-            </a:xfrm>
-            <a:prstGeom prst="rect">
-              <a:avLst/>
-            </a:prstGeom>
+          </a:ln>
+        </p:spPr>
+        <p:txBody>
+          <a:bodyPr wrap="square" rtlCol="0">
+            <a:spAutoFit/>
+          </a:bodyPr>
+          <a:lstStyle/>
+          <a:p>
+            <a:r>
+              <a:rPr lang="en-US" sz="1100" dirty="0"/>
+              <a:t>object 1</a:t>
+            </a:r>
+          </a:p>
+        </p:txBody>
+      </p:sp>
+      <p:sp>
+        <p:nvSpPr>
+          <p:cNvPr id="15" name="TextBox 14"/>
+          <p:cNvSpPr txBox="1"/>
+          <p:nvPr/>
+        </p:nvSpPr>
+        <p:spPr>
+          <a:xfrm>
+            <a:off x="3800257" y="2490163"/>
+            <a:ext cx="772265" cy="195647"/>
+          </a:xfrm>
+          <a:prstGeom prst="rect">
+            <a:avLst/>
+          </a:prstGeom>
+          <a:noFill/>
+          <a:ln w="12700">
             <a:noFill/>
-            <a:extLst>
-              <a:ext uri="{909E8E84-426E-40DD-AFC4-6F175D3DCCD1}">
-                <a14:hiddenFill xmlns:a14="http://schemas.microsoft.com/office/drawing/2010/main">
-                  <a:solidFill>
-                    <a:srgbClr val="FFFFFF"/>
-                  </a:solidFill>
-                </a14:hiddenFill>
-              </a:ext>
-            </a:extLst>
-          </p:spPr>
-        </p:pic>
-        <mc:AlternateContent xmlns:mc="http://schemas.openxmlformats.org/markup-compatibility/2006">
-          <mc:Choice xmlns:a14="http://schemas.microsoft.com/office/drawing/2010/main" Requires="a14">
-            <p:sp>
-              <p:nvSpPr>
-                <p:cNvPr id="5" name="TextBox 4"/>
-                <p:cNvSpPr txBox="1"/>
-                <p:nvPr/>
-              </p:nvSpPr>
-              <p:spPr>
-                <a:xfrm>
-                  <a:off x="2640988" y="2991416"/>
-                  <a:ext cx="609598" cy="323165"/>
-                </a:xfrm>
-                <a:prstGeom prst="rect">
-                  <a:avLst/>
-                </a:prstGeom>
+          </a:ln>
+        </p:spPr>
+        <p:txBody>
+          <a:bodyPr wrap="square" rtlCol="0">
+            <a:spAutoFit/>
+          </a:bodyPr>
+          <a:lstStyle/>
+          <a:p>
+            <a:r>
+              <a:rPr lang="en-US" sz="1100" dirty="0"/>
+              <a:t>object 2</a:t>
+            </a:r>
+          </a:p>
+        </p:txBody>
+      </p:sp>
+      <mc:AlternateContent xmlns:mc="http://schemas.openxmlformats.org/markup-compatibility/2006">
+        <mc:Choice xmlns:a14="http://schemas.microsoft.com/office/drawing/2010/main" Requires="a14">
+          <p:sp>
+            <p:nvSpPr>
+              <p:cNvPr id="20" name="TextBox 19">
+                <a:extLst>
+                  <a:ext uri="{FF2B5EF4-FFF2-40B4-BE49-F238E27FC236}">
+                    <a16:creationId xmlns:a16="http://schemas.microsoft.com/office/drawing/2014/main" id="{3F1B4565-C315-4893-BD40-74F1FFADD145}"/>
+                  </a:ext>
+                </a:extLst>
+              </p:cNvPr>
+              <p:cNvSpPr txBox="1"/>
+              <p:nvPr/>
+            </p:nvSpPr>
+            <p:spPr>
+              <a:xfrm>
+                <a:off x="3831200" y="2849430"/>
+                <a:ext cx="455893" cy="261610"/>
+              </a:xfrm>
+              <a:prstGeom prst="rect">
+                <a:avLst/>
+              </a:prstGeom>
+              <a:noFill/>
+              <a:ln w="12700">
                 <a:noFill/>
-                <a:ln w="12700">
-                  <a:noFill/>
-                </a:ln>
-              </p:spPr>
-              <p:txBody>
-                <a:bodyPr wrap="square" rtlCol="0">
-                  <a:spAutoFit/>
-                </a:bodyPr>
-                <a:lstStyle/>
-                <a:p>
-                  <a:pPr/>
-                  <a14:m>
-                    <m:oMathPara xmlns:m="http://schemas.openxmlformats.org/officeDocument/2006/math">
-                      <m:oMathParaPr>
-                        <m:jc m:val="centerGroup"/>
-                      </m:oMathParaPr>
-                      <m:oMath xmlns:m="http://schemas.openxmlformats.org/officeDocument/2006/math">
-                        <m:sSub>
-                          <m:sSubPr>
-                            <m:ctrlPr>
-                              <a:rPr lang="en-US" sz="1500" b="1" i="1" smtClean="0">
-                                <a:latin typeface="Cambria Math" panose="02040503050406030204" pitchFamily="18" charset="0"/>
-                              </a:rPr>
-                            </m:ctrlPr>
-                          </m:sSubPr>
-                          <m:e>
-                            <m:r>
-                              <a:rPr lang="en-US" sz="1500" b="1" i="1" smtClean="0">
-                                <a:latin typeface="Cambria Math" panose="02040503050406030204" pitchFamily="18" charset="0"/>
-                              </a:rPr>
-                              <m:t>𝒎</m:t>
-                            </m:r>
-                          </m:e>
-                          <m:sub>
-                            <m:r>
-                              <a:rPr lang="en-US" sz="1500" b="1" i="1" smtClean="0">
-                                <a:latin typeface="Cambria Math" panose="02040503050406030204" pitchFamily="18" charset="0"/>
-                              </a:rPr>
-                              <m:t>𝟏</m:t>
-                            </m:r>
-                          </m:sub>
-                        </m:sSub>
-                      </m:oMath>
-                    </m:oMathPara>
-                  </a14:m>
-                  <a:endParaRPr lang="en-US" sz="1500" b="1" dirty="0"/>
-                </a:p>
-              </p:txBody>
-            </p:sp>
-          </mc:Choice>
-          <mc:Fallback>
-            <p:sp>
-              <p:nvSpPr>
-                <p:cNvPr id="5" name="TextBox 4"/>
-                <p:cNvSpPr txBox="1">
-                  <a:spLocks noRot="1" noChangeAspect="1" noMove="1" noResize="1" noEditPoints="1" noAdjustHandles="1" noChangeArrowheads="1" noChangeShapeType="1" noTextEdit="1"/>
-                </p:cNvSpPr>
-                <p:nvPr/>
-              </p:nvSpPr>
-              <p:spPr>
-                <a:xfrm>
-                  <a:off x="2640988" y="2991416"/>
-                  <a:ext cx="609598" cy="323165"/>
-                </a:xfrm>
-                <a:prstGeom prst="rect">
-                  <a:avLst/>
-                </a:prstGeom>
-                <a:blipFill>
-                  <a:blip r:embed="rId3"/>
-                  <a:stretch>
-                    <a:fillRect/>
-                  </a:stretch>
-                </a:blipFill>
-                <a:ln w="12700">
-                  <a:noFill/>
-                </a:ln>
-              </p:spPr>
-              <p:txBody>
-                <a:bodyPr/>
-                <a:lstStyle/>
-                <a:p>
-                  <a:r>
-                    <a:rPr lang="en-US">
-                      <a:noFill/>
-                    </a:rPr>
-                    <a:t> </a:t>
-                  </a:r>
-                </a:p>
-              </p:txBody>
-            </p:sp>
-          </mc:Fallback>
-        </mc:AlternateContent>
-        <p:cxnSp>
-          <p:nvCxnSpPr>
-            <p:cNvPr id="8" name="Straight Arrow Connector 7"/>
-            <p:cNvCxnSpPr>
-              <a:cxnSpLocks/>
-            </p:cNvCxnSpPr>
-            <p:nvPr/>
-          </p:nvCxnSpPr>
-          <p:spPr>
-            <a:xfrm>
-              <a:off x="3288079" y="2977638"/>
-              <a:ext cx="485225" cy="0"/>
-            </a:xfrm>
-            <a:prstGeom prst="straightConnector1">
-              <a:avLst/>
-            </a:prstGeom>
-            <a:ln w="19050">
-              <a:solidFill>
-                <a:schemeClr val="tx1"/>
-              </a:solidFill>
-              <a:tailEnd type="triangle" w="lg" len="lg"/>
-            </a:ln>
-          </p:spPr>
-          <p:style>
-            <a:lnRef idx="1">
-              <a:schemeClr val="accent1"/>
-            </a:lnRef>
-            <a:fillRef idx="0">
-              <a:schemeClr val="accent1"/>
-            </a:fillRef>
-            <a:effectRef idx="0">
-              <a:schemeClr val="accent1"/>
-            </a:effectRef>
-            <a:fontRef idx="minor">
-              <a:schemeClr val="tx1"/>
-            </a:fontRef>
-          </p:style>
-        </p:cxnSp>
-        <mc:AlternateContent xmlns:mc="http://schemas.openxmlformats.org/markup-compatibility/2006">
-          <mc:Choice xmlns:a14="http://schemas.microsoft.com/office/drawing/2010/main" Requires="a14">
-            <p:sp>
-              <p:nvSpPr>
-                <p:cNvPr id="11" name="TextBox 10"/>
-                <p:cNvSpPr txBox="1"/>
-                <p:nvPr/>
-              </p:nvSpPr>
-              <p:spPr>
-                <a:xfrm>
-                  <a:off x="3255032" y="2619591"/>
-                  <a:ext cx="415166" cy="369332"/>
-                </a:xfrm>
-                <a:prstGeom prst="rect">
-                  <a:avLst/>
-                </a:prstGeom>
+              </a:ln>
+            </p:spPr>
+            <p:txBody>
+              <a:bodyPr wrap="square" rtlCol="0">
+                <a:spAutoFit/>
+              </a:bodyPr>
+              <a:lstStyle/>
+              <a:p>
+                <a:pPr/>
+                <a14:m>
+                  <m:oMathPara xmlns:m="http://schemas.openxmlformats.org/officeDocument/2006/math">
+                    <m:oMathParaPr>
+                      <m:jc m:val="centerGroup"/>
+                    </m:oMathParaPr>
+                    <m:oMath xmlns:m="http://schemas.openxmlformats.org/officeDocument/2006/math">
+                      <m:sSub>
+                        <m:sSubPr>
+                          <m:ctrlPr>
+                            <a:rPr lang="en-US" sz="1100" i="1" smtClean="0">
+                              <a:latin typeface="Cambria Math" panose="02040503050406030204" pitchFamily="18" charset="0"/>
+                            </a:rPr>
+                          </m:ctrlPr>
+                        </m:sSubPr>
+                        <m:e>
+                          <m:r>
+                            <a:rPr lang="en-US" sz="1100" b="0" i="1" smtClean="0">
+                              <a:latin typeface="Cambria Math" panose="02040503050406030204" pitchFamily="18" charset="0"/>
+                            </a:rPr>
+                            <m:t>𝑚</m:t>
+                          </m:r>
+                        </m:e>
+                        <m:sub>
+                          <m:r>
+                            <a:rPr lang="en-US" sz="1100" b="0" i="1" smtClean="0">
+                              <a:latin typeface="Cambria Math" panose="02040503050406030204" pitchFamily="18" charset="0"/>
+                            </a:rPr>
+                            <m:t>2</m:t>
+                          </m:r>
+                        </m:sub>
+                      </m:sSub>
+                    </m:oMath>
+                  </m:oMathPara>
+                </a14:m>
+                <a:endParaRPr lang="en-US" sz="1100" dirty="0"/>
+              </a:p>
+            </p:txBody>
+          </p:sp>
+        </mc:Choice>
+        <mc:Fallback>
+          <p:sp>
+            <p:nvSpPr>
+              <p:cNvPr id="20" name="TextBox 19">
+                <a:extLst>
+                  <a:ext uri="{FF2B5EF4-FFF2-40B4-BE49-F238E27FC236}">
+                    <a16:creationId xmlns:a16="http://schemas.microsoft.com/office/drawing/2014/main" id="{3F1B4565-C315-4893-BD40-74F1FFADD145}"/>
+                  </a:ext>
+                </a:extLst>
+              </p:cNvPr>
+              <p:cNvSpPr txBox="1">
+                <a:spLocks noRot="1" noChangeAspect="1" noMove="1" noResize="1" noEditPoints="1" noAdjustHandles="1" noChangeArrowheads="1" noChangeShapeType="1" noTextEdit="1"/>
+              </p:cNvSpPr>
+              <p:nvPr/>
+            </p:nvSpPr>
+            <p:spPr>
+              <a:xfrm>
+                <a:off x="3831200" y="2849430"/>
+                <a:ext cx="455893" cy="261610"/>
+              </a:xfrm>
+              <a:prstGeom prst="rect">
+                <a:avLst/>
+              </a:prstGeom>
+              <a:blipFill>
+                <a:blip r:embed="rId7"/>
+                <a:stretch>
+                  <a:fillRect/>
+                </a:stretch>
+              </a:blipFill>
+              <a:ln w="12700">
                 <a:noFill/>
-                <a:ln w="12700">
-                  <a:noFill/>
-                </a:ln>
-              </p:spPr>
-              <p:txBody>
-                <a:bodyPr wrap="square" rtlCol="0">
-                  <a:spAutoFit/>
-                </a:bodyPr>
-                <a:lstStyle/>
-                <a:p>
-                  <a:pPr/>
-                  <a14:m>
-                    <m:oMathPara xmlns:m="http://schemas.openxmlformats.org/officeDocument/2006/math">
-                      <m:oMathParaPr>
-                        <m:jc m:val="centerGroup"/>
-                      </m:oMathParaPr>
-                      <m:oMath xmlns:m="http://schemas.openxmlformats.org/officeDocument/2006/math">
-                        <m:acc>
-                          <m:accPr>
-                            <m:chr m:val="⃗"/>
-                            <m:ctrlPr>
-                              <a:rPr lang="en-US" b="0" i="1" smtClean="0">
-                                <a:latin typeface="Cambria Math" panose="02040503050406030204" pitchFamily="18" charset="0"/>
-                              </a:rPr>
-                            </m:ctrlPr>
-                          </m:accPr>
-                          <m:e>
-                            <m:r>
-                              <a:rPr lang="en-US" b="0" i="1" smtClean="0">
-                                <a:latin typeface="Cambria Math"/>
-                              </a:rPr>
-                              <m:t>𝑣</m:t>
-                            </m:r>
-                          </m:e>
-                        </m:acc>
-                      </m:oMath>
-                    </m:oMathPara>
-                  </a14:m>
-                  <a:endParaRPr lang="en-US" dirty="0"/>
-                </a:p>
-              </p:txBody>
-            </p:sp>
-          </mc:Choice>
-          <mc:Fallback>
-            <p:sp>
-              <p:nvSpPr>
-                <p:cNvPr id="11" name="TextBox 10"/>
-                <p:cNvSpPr txBox="1">
-                  <a:spLocks noRot="1" noChangeAspect="1" noMove="1" noResize="1" noEditPoints="1" noAdjustHandles="1" noChangeArrowheads="1" noChangeShapeType="1" noTextEdit="1"/>
-                </p:cNvSpPr>
-                <p:nvPr/>
-              </p:nvSpPr>
-              <p:spPr>
-                <a:xfrm>
-                  <a:off x="3255032" y="2619591"/>
-                  <a:ext cx="415166" cy="369332"/>
-                </a:xfrm>
-                <a:prstGeom prst="rect">
-                  <a:avLst/>
-                </a:prstGeom>
-                <a:blipFill>
-                  <a:blip r:embed="rId4"/>
-                  <a:stretch>
-                    <a:fillRect t="-23333" r="-29412"/>
-                  </a:stretch>
-                </a:blipFill>
-                <a:ln w="12700">
-                  <a:noFill/>
-                </a:ln>
-              </p:spPr>
-              <p:txBody>
-                <a:bodyPr/>
-                <a:lstStyle/>
-                <a:p>
-                  <a:r>
-                    <a:rPr lang="en-US">
-                      <a:noFill/>
-                    </a:rPr>
-                    <a:t> </a:t>
-                  </a:r>
-                </a:p>
-              </p:txBody>
-            </p:sp>
-          </mc:Fallback>
-        </mc:AlternateContent>
-        <p:sp>
-          <p:nvSpPr>
-            <p:cNvPr id="14" name="TextBox 13"/>
-            <p:cNvSpPr txBox="1"/>
-            <p:nvPr/>
-          </p:nvSpPr>
-          <p:spPr>
-            <a:xfrm>
-              <a:off x="1905353" y="2560630"/>
-              <a:ext cx="1032635" cy="338554"/>
-            </a:xfrm>
-            <a:prstGeom prst="rect">
-              <a:avLst/>
-            </a:prstGeom>
-            <a:noFill/>
-            <a:ln w="12700">
-              <a:noFill/>
-            </a:ln>
-          </p:spPr>
-          <p:txBody>
-            <a:bodyPr wrap="square" rtlCol="0">
-              <a:spAutoFit/>
-            </a:bodyPr>
-            <a:lstStyle/>
-            <a:p>
-              <a:r>
-                <a:rPr lang="en-US" sz="1600" dirty="0"/>
-                <a:t>object 1</a:t>
-              </a:r>
-            </a:p>
-          </p:txBody>
-        </p:sp>
-        <p:sp>
-          <p:nvSpPr>
-            <p:cNvPr id="15" name="TextBox 14"/>
-            <p:cNvSpPr txBox="1"/>
-            <p:nvPr/>
-          </p:nvSpPr>
-          <p:spPr>
-            <a:xfrm>
-              <a:off x="4974426" y="2729907"/>
-              <a:ext cx="1032635" cy="338554"/>
-            </a:xfrm>
-            <a:prstGeom prst="rect">
-              <a:avLst/>
-            </a:prstGeom>
-            <a:noFill/>
-            <a:ln w="12700">
-              <a:noFill/>
-            </a:ln>
-          </p:spPr>
-          <p:txBody>
-            <a:bodyPr wrap="square" rtlCol="0">
-              <a:spAutoFit/>
-            </a:bodyPr>
-            <a:lstStyle/>
-            <a:p>
-              <a:r>
-                <a:rPr lang="en-US" sz="1600" dirty="0"/>
-                <a:t>object 2</a:t>
-              </a:r>
-            </a:p>
-          </p:txBody>
-        </p:sp>
-        <p:pic>
-          <p:nvPicPr>
-            <p:cNvPr id="17" name="Picture 3" descr="C:\Users\mtrawick\Desktop\github\131\StudentGuideModule1\newtons_laws\momentum_transfer.tif">
-              <a:extLst>
-                <a:ext uri="{FF2B5EF4-FFF2-40B4-BE49-F238E27FC236}">
-                  <a16:creationId xmlns:a16="http://schemas.microsoft.com/office/drawing/2014/main" id="{50AF0C10-7FFD-45DF-83AB-5FF571E59143}"/>
-                </a:ext>
-              </a:extLst>
-            </p:cNvPr>
-            <p:cNvPicPr>
-              <a:picLocks noChangeAspect="1" noChangeArrowheads="1"/>
-            </p:cNvPicPr>
-            <p:nvPr/>
-          </p:nvPicPr>
-          <p:blipFill rotWithShape="1">
-            <a:blip r:embed="rId2" cstate="print">
-              <a:extLst>
-                <a:ext uri="{28A0092B-C50C-407E-A947-70E740481C1C}">
-                  <a14:useLocalDpi xmlns:a14="http://schemas.microsoft.com/office/drawing/2010/main" val="0"/>
-                </a:ext>
-              </a:extLst>
-            </a:blip>
-            <a:srcRect l="54253" t="83560" r="36097" b="-4382"/>
-            <a:stretch/>
-          </p:blipFill>
-          <p:spPr bwMode="auto">
-            <a:xfrm flipH="1">
-              <a:off x="3720199" y="3433447"/>
-              <a:ext cx="444864" cy="240632"/>
-            </a:xfrm>
-            <a:prstGeom prst="rect">
-              <a:avLst/>
-            </a:prstGeom>
-            <a:noFill/>
-            <a:extLst>
-              <a:ext uri="{909E8E84-426E-40DD-AFC4-6F175D3DCCD1}">
-                <a14:hiddenFill xmlns:a14="http://schemas.microsoft.com/office/drawing/2010/main">
-                  <a:solidFill>
-                    <a:srgbClr val="FFFFFF"/>
-                  </a:solidFill>
-                </a14:hiddenFill>
-              </a:ext>
-            </a:extLst>
-          </p:spPr>
-        </p:pic>
-        <mc:AlternateContent xmlns:mc="http://schemas.openxmlformats.org/markup-compatibility/2006">
-          <mc:Choice xmlns:a14="http://schemas.microsoft.com/office/drawing/2010/main" Requires="a14">
-            <p:sp>
-              <p:nvSpPr>
-                <p:cNvPr id="20" name="TextBox 19">
-                  <a:extLst>
-                    <a:ext uri="{FF2B5EF4-FFF2-40B4-BE49-F238E27FC236}">
-                      <a16:creationId xmlns:a16="http://schemas.microsoft.com/office/drawing/2014/main" id="{3F1B4565-C315-4893-BD40-74F1FFADD145}"/>
-                    </a:ext>
-                  </a:extLst>
-                </p:cNvPr>
-                <p:cNvSpPr txBox="1"/>
-                <p:nvPr/>
-              </p:nvSpPr>
-              <p:spPr>
-                <a:xfrm>
-                  <a:off x="4369649" y="2988923"/>
-                  <a:ext cx="609598" cy="323165"/>
-                </a:xfrm>
-                <a:prstGeom prst="rect">
-                  <a:avLst/>
-                </a:prstGeom>
-                <a:noFill/>
-                <a:ln w="12700">
-                  <a:noFill/>
-                </a:ln>
-              </p:spPr>
-              <p:txBody>
-                <a:bodyPr wrap="square" rtlCol="0">
-                  <a:spAutoFit/>
-                </a:bodyPr>
-                <a:lstStyle/>
-                <a:p>
-                  <a:pPr/>
-                  <a14:m>
-                    <m:oMathPara xmlns:m="http://schemas.openxmlformats.org/officeDocument/2006/math">
-                      <m:oMathParaPr>
-                        <m:jc m:val="centerGroup"/>
-                      </m:oMathParaPr>
-                      <m:oMath xmlns:m="http://schemas.openxmlformats.org/officeDocument/2006/math">
-                        <m:sSub>
-                          <m:sSubPr>
-                            <m:ctrlPr>
-                              <a:rPr lang="en-US" sz="1500" b="1" i="1" smtClean="0">
-                                <a:latin typeface="Cambria Math" panose="02040503050406030204" pitchFamily="18" charset="0"/>
-                              </a:rPr>
-                            </m:ctrlPr>
-                          </m:sSubPr>
-                          <m:e>
-                            <m:r>
-                              <a:rPr lang="en-US" sz="1500" b="1" i="1" smtClean="0">
-                                <a:latin typeface="Cambria Math" panose="02040503050406030204" pitchFamily="18" charset="0"/>
-                              </a:rPr>
-                              <m:t>𝒎</m:t>
-                            </m:r>
-                          </m:e>
-                          <m:sub>
-                            <m:r>
-                              <a:rPr lang="en-US" sz="1500" b="1" i="1" smtClean="0">
-                                <a:latin typeface="Cambria Math" panose="02040503050406030204" pitchFamily="18" charset="0"/>
-                              </a:rPr>
-                              <m:t>𝟐</m:t>
-                            </m:r>
-                          </m:sub>
-                        </m:sSub>
-                      </m:oMath>
-                    </m:oMathPara>
-                  </a14:m>
-                  <a:endParaRPr lang="en-US" sz="1500" b="1" dirty="0"/>
-                </a:p>
-              </p:txBody>
-            </p:sp>
-          </mc:Choice>
-          <mc:Fallback>
-            <p:sp>
-              <p:nvSpPr>
-                <p:cNvPr id="20" name="TextBox 19">
-                  <a:extLst>
-                    <a:ext uri="{FF2B5EF4-FFF2-40B4-BE49-F238E27FC236}">
-                      <a16:creationId xmlns:a16="http://schemas.microsoft.com/office/drawing/2014/main" id="{3F1B4565-C315-4893-BD40-74F1FFADD145}"/>
-                    </a:ext>
-                  </a:extLst>
-                </p:cNvPr>
-                <p:cNvSpPr txBox="1">
-                  <a:spLocks noRot="1" noChangeAspect="1" noMove="1" noResize="1" noEditPoints="1" noAdjustHandles="1" noChangeArrowheads="1" noChangeShapeType="1" noTextEdit="1"/>
-                </p:cNvSpPr>
-                <p:nvPr/>
-              </p:nvSpPr>
-              <p:spPr>
-                <a:xfrm>
-                  <a:off x="4369649" y="2988923"/>
-                  <a:ext cx="609598" cy="323165"/>
-                </a:xfrm>
-                <a:prstGeom prst="rect">
-                  <a:avLst/>
-                </a:prstGeom>
-                <a:blipFill>
-                  <a:blip r:embed="rId5"/>
-                  <a:stretch>
-                    <a:fillRect/>
-                  </a:stretch>
-                </a:blipFill>
-                <a:ln w="12700">
-                  <a:noFill/>
-                </a:ln>
-              </p:spPr>
-              <p:txBody>
-                <a:bodyPr/>
-                <a:lstStyle/>
-                <a:p>
-                  <a:r>
-                    <a:rPr lang="en-US">
-                      <a:noFill/>
-                    </a:rPr>
-                    <a:t> </a:t>
-                  </a:r>
-                </a:p>
-              </p:txBody>
-            </p:sp>
-          </mc:Fallback>
-        </mc:AlternateContent>
-      </p:grpSp>
+              </a:ln>
+            </p:spPr>
+            <p:txBody>
+              <a:bodyPr/>
+              <a:lstStyle/>
+              <a:p>
+                <a:r>
+                  <a:rPr lang="en-US">
+                    <a:noFill/>
+                  </a:rPr>
+                  <a:t> </a:t>
+                </a:r>
+              </a:p>
+            </p:txBody>
+          </p:sp>
+        </mc:Fallback>
+      </mc:AlternateContent>
     </p:spTree>
     <p:extLst>
       <p:ext uri="{BB962C8B-B14F-4D97-AF65-F5344CB8AC3E}">
